--- a/ccn/randy_slides/oreilly_ccn_memory.pptx
+++ b/ccn/randy_slides/oreilly_ccn_memory.pptx
@@ -237,7 +237,7 @@
             <a:fld id="{134E0E46-09FB-E94F-B740-AE4D5C6FE5DD}" type="datetimeFigureOut">
               <a:rPr lang="en-US" smtClean="0"/>
               <a:pPr/>
-              <a:t>3/14/19</a:t>
+              <a:t>4/15/20</a:t>
             </a:fld>
             <a:endParaRPr lang="en-US"/>
           </a:p>
@@ -405,7 +405,7 @@
             <a:fld id="{A39D9CCF-58B7-6C4F-9057-0B7282734A9C}" type="datetimeFigureOut">
               <a:rPr lang="en-US" smtClean="0"/>
               <a:pPr/>
-              <a:t>3/14/19</a:t>
+              <a:t>4/15/20</a:t>
             </a:fld>
             <a:endParaRPr lang="en-US"/>
           </a:p>
@@ -806,7 +806,7 @@
             <a:fld id="{0F43610C-CF0F-A341-95E3-9AC2B6738F38}" type="datetime1">
               <a:rPr lang="en-US" smtClean="0"/>
               <a:pPr/>
-              <a:t>3/14/19</a:t>
+              <a:t>4/15/20</a:t>
             </a:fld>
             <a:endParaRPr lang="en-US"/>
           </a:p>
@@ -983,7 +983,7 @@
             <a:fld id="{80722BD1-6F2E-954E-9666-DACFAE059D87}" type="datetime1">
               <a:rPr lang="en-US" smtClean="0"/>
               <a:pPr/>
-              <a:t>3/14/19</a:t>
+              <a:t>4/15/20</a:t>
             </a:fld>
             <a:endParaRPr lang="en-US"/>
           </a:p>
@@ -1170,7 +1170,7 @@
             <a:fld id="{81719E71-40F5-594A-A597-B9A1F7A8E2A0}" type="datetime1">
               <a:rPr lang="en-US" smtClean="0"/>
               <a:pPr/>
-              <a:t>3/14/19</a:t>
+              <a:t>4/15/20</a:t>
             </a:fld>
             <a:endParaRPr lang="en-US"/>
           </a:p>
@@ -1347,7 +1347,7 @@
             <a:fld id="{80E7870B-B594-BE4F-883F-5AA3BF0E980A}" type="datetime1">
               <a:rPr lang="en-US" smtClean="0"/>
               <a:pPr/>
-              <a:t>3/14/19</a:t>
+              <a:t>4/15/20</a:t>
             </a:fld>
             <a:endParaRPr lang="en-US"/>
           </a:p>
@@ -1547,7 +1547,7 @@
             <a:fld id="{4001173A-C22D-A545-AA98-51D0B584A64A}" type="datetime1">
               <a:rPr lang="en-US" smtClean="0"/>
               <a:pPr/>
-              <a:t>3/14/19</a:t>
+              <a:t>4/15/20</a:t>
             </a:fld>
             <a:endParaRPr lang="en-US"/>
           </a:p>
@@ -1841,7 +1841,7 @@
             <a:fld id="{8627B750-1BB8-F846-854F-817BE719E813}" type="datetime1">
               <a:rPr lang="en-US" smtClean="0"/>
               <a:pPr/>
-              <a:t>3/14/19</a:t>
+              <a:t>4/15/20</a:t>
             </a:fld>
             <a:endParaRPr lang="en-US"/>
           </a:p>
@@ -2274,7 +2274,7 @@
             <a:fld id="{A24BBA21-B6FA-C24E-9759-3735F7DAA052}" type="datetime1">
               <a:rPr lang="en-US" smtClean="0"/>
               <a:pPr/>
-              <a:t>3/14/19</a:t>
+              <a:t>4/15/20</a:t>
             </a:fld>
             <a:endParaRPr lang="en-US"/>
           </a:p>
@@ -2400,7 +2400,7 @@
             <a:fld id="{A208DD61-016E-E544-8D0E-6C417EB34521}" type="datetime1">
               <a:rPr lang="en-US" smtClean="0"/>
               <a:pPr/>
-              <a:t>3/14/19</a:t>
+              <a:t>4/15/20</a:t>
             </a:fld>
             <a:endParaRPr lang="en-US"/>
           </a:p>
@@ -2504,7 +2504,7 @@
             <a:fld id="{60D8413E-DCA1-2346-AF80-5D4D797103C0}" type="datetime1">
               <a:rPr lang="en-US" smtClean="0"/>
               <a:pPr/>
-              <a:t>3/14/19</a:t>
+              <a:t>4/15/20</a:t>
             </a:fld>
             <a:endParaRPr lang="en-US"/>
           </a:p>
@@ -2788,7 +2788,7 @@
             <a:fld id="{51AF361F-D5BC-E048-9595-281C5881E6B3}" type="datetime1">
               <a:rPr lang="en-US" smtClean="0"/>
               <a:pPr/>
-              <a:t>3/14/19</a:t>
+              <a:t>4/15/20</a:t>
             </a:fld>
             <a:endParaRPr lang="en-US"/>
           </a:p>
@@ -3052,7 +3052,7 @@
             <a:fld id="{C8332548-F664-E64B-966D-816A33A80B57}" type="datetime1">
               <a:rPr lang="en-US" smtClean="0"/>
               <a:pPr/>
-              <a:t>3/14/19</a:t>
+              <a:t>4/15/20</a:t>
             </a:fld>
             <a:endParaRPr lang="en-US"/>
           </a:p>
@@ -3317,7 +3317,7 @@
             <a:fld id="{97796E05-5980-E044-9A8E-0F7500585CCE}" type="datetime1">
               <a:rPr lang="en-US" smtClean="0"/>
               <a:pPr/>
-              <a:t>3/14/19</a:t>
+              <a:t>4/15/20</a:t>
             </a:fld>
             <a:endParaRPr lang="en-US"/>
           </a:p>

--- a/ccn/randy_slides/oreilly_ccn_memory.pptx
+++ b/ccn/randy_slides/oreilly_ccn_memory.pptx
@@ -5,10 +5,10 @@
     <p:sldMasterId id="2147483660" r:id="rId1"/>
   </p:sldMasterIdLst>
   <p:notesMasterIdLst>
-    <p:notesMasterId r:id="rId28"/>
+    <p:notesMasterId r:id="rId30"/>
   </p:notesMasterIdLst>
   <p:handoutMasterIdLst>
-    <p:handoutMasterId r:id="rId29"/>
+    <p:handoutMasterId r:id="rId31"/>
   </p:handoutMasterIdLst>
   <p:sldIdLst>
     <p:sldId id="356" r:id="rId2"/>
@@ -29,14 +29,16 @@
     <p:sldId id="362" r:id="rId17"/>
     <p:sldId id="363" r:id="rId18"/>
     <p:sldId id="364" r:id="rId19"/>
-    <p:sldId id="365" r:id="rId20"/>
-    <p:sldId id="366" r:id="rId21"/>
-    <p:sldId id="367" r:id="rId22"/>
-    <p:sldId id="368" r:id="rId23"/>
-    <p:sldId id="369" r:id="rId24"/>
-    <p:sldId id="370" r:id="rId25"/>
-    <p:sldId id="371" r:id="rId26"/>
-    <p:sldId id="372" r:id="rId27"/>
+    <p:sldId id="366" r:id="rId20"/>
+    <p:sldId id="367" r:id="rId21"/>
+    <p:sldId id="368" r:id="rId22"/>
+    <p:sldId id="369" r:id="rId23"/>
+    <p:sldId id="365" r:id="rId24"/>
+    <p:sldId id="394" r:id="rId25"/>
+    <p:sldId id="370" r:id="rId26"/>
+    <p:sldId id="371" r:id="rId27"/>
+    <p:sldId id="372" r:id="rId28"/>
+    <p:sldId id="393" r:id="rId29"/>
   </p:sldIdLst>
   <p:sldSz cx="9144000" cy="6858000" type="screen4x3"/>
   <p:notesSz cx="6858000" cy="9144000"/>
@@ -237,7 +239,7 @@
             <a:fld id="{134E0E46-09FB-E94F-B740-AE4D5C6FE5DD}" type="datetimeFigureOut">
               <a:rPr lang="en-US" smtClean="0"/>
               <a:pPr/>
-              <a:t>4/15/20</a:t>
+              <a:t>5/21/20</a:t>
             </a:fld>
             <a:endParaRPr lang="en-US"/>
           </a:p>
@@ -405,7 +407,7 @@
             <a:fld id="{A39D9CCF-58B7-6C4F-9057-0B7282734A9C}" type="datetimeFigureOut">
               <a:rPr lang="en-US" smtClean="0"/>
               <a:pPr/>
-              <a:t>4/15/20</a:t>
+              <a:t>5/21/20</a:t>
             </a:fld>
             <a:endParaRPr lang="en-US"/>
           </a:p>
@@ -806,7 +808,7 @@
             <a:fld id="{0F43610C-CF0F-A341-95E3-9AC2B6738F38}" type="datetime1">
               <a:rPr lang="en-US" smtClean="0"/>
               <a:pPr/>
-              <a:t>4/15/20</a:t>
+              <a:t>5/21/20</a:t>
             </a:fld>
             <a:endParaRPr lang="en-US"/>
           </a:p>
@@ -983,7 +985,7 @@
             <a:fld id="{80722BD1-6F2E-954E-9666-DACFAE059D87}" type="datetime1">
               <a:rPr lang="en-US" smtClean="0"/>
               <a:pPr/>
-              <a:t>4/15/20</a:t>
+              <a:t>5/21/20</a:t>
             </a:fld>
             <a:endParaRPr lang="en-US"/>
           </a:p>
@@ -1170,7 +1172,7 @@
             <a:fld id="{81719E71-40F5-594A-A597-B9A1F7A8E2A0}" type="datetime1">
               <a:rPr lang="en-US" smtClean="0"/>
               <a:pPr/>
-              <a:t>4/15/20</a:t>
+              <a:t>5/21/20</a:t>
             </a:fld>
             <a:endParaRPr lang="en-US"/>
           </a:p>
@@ -1347,7 +1349,7 @@
             <a:fld id="{80E7870B-B594-BE4F-883F-5AA3BF0E980A}" type="datetime1">
               <a:rPr lang="en-US" smtClean="0"/>
               <a:pPr/>
-              <a:t>4/15/20</a:t>
+              <a:t>5/21/20</a:t>
             </a:fld>
             <a:endParaRPr lang="en-US"/>
           </a:p>
@@ -1547,7 +1549,7 @@
             <a:fld id="{4001173A-C22D-A545-AA98-51D0B584A64A}" type="datetime1">
               <a:rPr lang="en-US" smtClean="0"/>
               <a:pPr/>
-              <a:t>4/15/20</a:t>
+              <a:t>5/21/20</a:t>
             </a:fld>
             <a:endParaRPr lang="en-US"/>
           </a:p>
@@ -1841,7 +1843,7 @@
             <a:fld id="{8627B750-1BB8-F846-854F-817BE719E813}" type="datetime1">
               <a:rPr lang="en-US" smtClean="0"/>
               <a:pPr/>
-              <a:t>4/15/20</a:t>
+              <a:t>5/21/20</a:t>
             </a:fld>
             <a:endParaRPr lang="en-US"/>
           </a:p>
@@ -2274,7 +2276,7 @@
             <a:fld id="{A24BBA21-B6FA-C24E-9759-3735F7DAA052}" type="datetime1">
               <a:rPr lang="en-US" smtClean="0"/>
               <a:pPr/>
-              <a:t>4/15/20</a:t>
+              <a:t>5/21/20</a:t>
             </a:fld>
             <a:endParaRPr lang="en-US"/>
           </a:p>
@@ -2400,7 +2402,7 @@
             <a:fld id="{A208DD61-016E-E544-8D0E-6C417EB34521}" type="datetime1">
               <a:rPr lang="en-US" smtClean="0"/>
               <a:pPr/>
-              <a:t>4/15/20</a:t>
+              <a:t>5/21/20</a:t>
             </a:fld>
             <a:endParaRPr lang="en-US"/>
           </a:p>
@@ -2504,7 +2506,7 @@
             <a:fld id="{60D8413E-DCA1-2346-AF80-5D4D797103C0}" type="datetime1">
               <a:rPr lang="en-US" smtClean="0"/>
               <a:pPr/>
-              <a:t>4/15/20</a:t>
+              <a:t>5/21/20</a:t>
             </a:fld>
             <a:endParaRPr lang="en-US"/>
           </a:p>
@@ -2788,7 +2790,7 @@
             <a:fld id="{51AF361F-D5BC-E048-9595-281C5881E6B3}" type="datetime1">
               <a:rPr lang="en-US" smtClean="0"/>
               <a:pPr/>
-              <a:t>4/15/20</a:t>
+              <a:t>5/21/20</a:t>
             </a:fld>
             <a:endParaRPr lang="en-US"/>
           </a:p>
@@ -3052,7 +3054,7 @@
             <a:fld id="{C8332548-F664-E64B-966D-816A33A80B57}" type="datetime1">
               <a:rPr lang="en-US" smtClean="0"/>
               <a:pPr/>
-              <a:t>4/15/20</a:t>
+              <a:t>5/21/20</a:t>
             </a:fld>
             <a:endParaRPr lang="en-US"/>
           </a:p>
@@ -3317,7 +3319,7 @@
             <a:fld id="{97796E05-5980-E044-9A8E-0F7500585CCE}" type="datetime1">
               <a:rPr lang="en-US" smtClean="0"/>
               <a:pPr/>
-              <a:t>4/15/20</a:t>
+              <a:t>5/21/20</a:t>
             </a:fld>
             <a:endParaRPr lang="en-US"/>
           </a:p>
@@ -5355,14 +5357,14 @@
           <a:p>
             <a:r>
               <a:rPr lang="en-US" dirty="0"/>
-              <a:t>Complementary Learning Systems</a:t>
+              <a:t>Hippocampal System</a:t>
             </a:r>
           </a:p>
         </p:txBody>
       </p:sp>
       <p:pic>
         <p:nvPicPr>
-          <p:cNvPr id="5" name="Content Placeholder 4" descr="Screen shot 2011-03-04 at 2.20.08 AM.png"/>
+          <p:cNvPr id="5" name="Content Placeholder 4" descr="fig_hippo_mem_formation.png"/>
           <p:cNvPicPr>
             <a:picLocks noGrp="1" noChangeAspect="1"/>
           </p:cNvPicPr>
@@ -5378,7 +5380,7 @@
               </a:ext>
             </a:extLst>
           </a:blip>
-          <a:srcRect l="-14032" r="-14032"/>
+          <a:srcRect t="-3292" b="-3292"/>
           <a:stretch>
             <a:fillRect/>
           </a:stretch>
@@ -5412,7 +5414,7 @@
     </p:spTree>
     <p:extLst>
       <p:ext uri="{BB962C8B-B14F-4D97-AF65-F5344CB8AC3E}">
-        <p14:creationId xmlns:p14="http://schemas.microsoft.com/office/powerpoint/2010/main" val="1485995397"/>
+        <p14:creationId xmlns:p14="http://schemas.microsoft.com/office/powerpoint/2010/main" val="485196408"/>
       </p:ext>
     </p:extLst>
   </p:cSld>
@@ -5554,14 +5556,14 @@
           <a:p>
             <a:r>
               <a:rPr lang="en-US" dirty="0"/>
-              <a:t>Hippocampal System</a:t>
+              <a:t>Sparse Activity</a:t>
             </a:r>
           </a:p>
         </p:txBody>
       </p:sp>
       <p:pic>
         <p:nvPicPr>
-          <p:cNvPr id="5" name="Content Placeholder 4" descr="fig_hippo_mem_formation.png"/>
+          <p:cNvPr id="5" name="Content Placeholder 4" descr="fig_hcmp_rfs.png"/>
           <p:cNvPicPr>
             <a:picLocks noGrp="1" noChangeAspect="1"/>
           </p:cNvPicPr>
@@ -5577,7 +5579,7 @@
               </a:ext>
             </a:extLst>
           </a:blip>
-          <a:srcRect t="-3292" b="-3292"/>
+          <a:srcRect l="-41524" r="-41524"/>
           <a:stretch>
             <a:fillRect/>
           </a:stretch>
@@ -5611,7 +5613,7 @@
     </p:spTree>
     <p:extLst>
       <p:ext uri="{BB962C8B-B14F-4D97-AF65-F5344CB8AC3E}">
-        <p14:creationId xmlns:p14="http://schemas.microsoft.com/office/powerpoint/2010/main" val="485196408"/>
+        <p14:creationId xmlns:p14="http://schemas.microsoft.com/office/powerpoint/2010/main" val="1315007325"/>
       </p:ext>
     </p:extLst>
   </p:cSld>
@@ -5655,14 +5657,14 @@
           <a:p>
             <a:r>
               <a:rPr lang="en-US" dirty="0"/>
-              <a:t>Sparse Activity</a:t>
+              <a:t>Sparse = Pattern Separation</a:t>
             </a:r>
           </a:p>
         </p:txBody>
       </p:sp>
       <p:pic>
         <p:nvPicPr>
-          <p:cNvPr id="5" name="Content Placeholder 4" descr="fig_hcmp_rfs.png"/>
+          <p:cNvPr id="5" name="Content Placeholder 4" descr="fig_patsep_clr.png"/>
           <p:cNvPicPr>
             <a:picLocks noGrp="1" noChangeAspect="1"/>
           </p:cNvPicPr>
@@ -5678,7 +5680,7 @@
               </a:ext>
             </a:extLst>
           </a:blip>
-          <a:srcRect l="-41524" r="-41524"/>
+          <a:srcRect l="-94847" r="-94847"/>
           <a:stretch>
             <a:fillRect/>
           </a:stretch>
@@ -5712,7 +5714,7 @@
     </p:spTree>
     <p:extLst>
       <p:ext uri="{BB962C8B-B14F-4D97-AF65-F5344CB8AC3E}">
-        <p14:creationId xmlns:p14="http://schemas.microsoft.com/office/powerpoint/2010/main" val="1315007325"/>
+        <p14:creationId xmlns:p14="http://schemas.microsoft.com/office/powerpoint/2010/main" val="3217223456"/>
       </p:ext>
     </p:extLst>
   </p:cSld>
@@ -5756,36 +5758,38 @@
           <a:p>
             <a:r>
               <a:rPr lang="en-US" dirty="0"/>
-              <a:t>Sparse = Pattern Separation</a:t>
-            </a:r>
-          </a:p>
-        </p:txBody>
-      </p:sp>
-      <p:pic>
-        <p:nvPicPr>
-          <p:cNvPr id="5" name="Content Placeholder 4" descr="fig_patsep_clr.png"/>
-          <p:cNvPicPr>
-            <a:picLocks noGrp="1" noChangeAspect="1"/>
-          </p:cNvPicPr>
+              <a:t>Hippo Project</a:t>
+            </a:r>
+          </a:p>
+        </p:txBody>
+      </p:sp>
+      <p:sp>
+        <p:nvSpPr>
+          <p:cNvPr id="3" name="Content Placeholder 2"/>
+          <p:cNvSpPr>
+            <a:spLocks noGrp="1"/>
+          </p:cNvSpPr>
           <p:nvPr>
             <p:ph idx="1"/>
           </p:nvPr>
-        </p:nvPicPr>
-        <p:blipFill>
-          <a:blip r:embed="rId2">
-            <a:extLst>
-              <a:ext uri="{28A0092B-C50C-407E-A947-70E740481C1C}">
-                <a14:useLocalDpi xmlns:a14="http://schemas.microsoft.com/office/drawing/2010/main" val="0"/>
-              </a:ext>
-            </a:extLst>
-          </a:blip>
-          <a:srcRect l="-94847" r="-94847"/>
-          <a:stretch>
-            <a:fillRect/>
-          </a:stretch>
-        </p:blipFill>
-        <p:spPr/>
-      </p:pic>
+        </p:nvSpPr>
+        <p:spPr/>
+        <p:txBody>
+          <a:bodyPr/>
+          <a:lstStyle/>
+          <a:p>
+            <a:r>
+              <a:rPr lang="en-US" dirty="0"/>
+              <a:t>Run </a:t>
+            </a:r>
+            <a:r>
+              <a:rPr lang="en-US" dirty="0" err="1"/>
+              <a:t>hip.proj</a:t>
+            </a:r>
+            <a:endParaRPr lang="en-US" dirty="0"/>
+          </a:p>
+        </p:txBody>
+      </p:sp>
       <p:sp>
         <p:nvSpPr>
           <p:cNvPr id="4" name="Slide Number Placeholder 3"/>
@@ -5813,7 +5817,7 @@
     </p:spTree>
     <p:extLst>
       <p:ext uri="{BB962C8B-B14F-4D97-AF65-F5344CB8AC3E}">
-        <p14:creationId xmlns:p14="http://schemas.microsoft.com/office/powerpoint/2010/main" val="3217223456"/>
+        <p14:creationId xmlns:p14="http://schemas.microsoft.com/office/powerpoint/2010/main" val="1341013793"/>
       </p:ext>
     </p:extLst>
   </p:cSld>
@@ -5857,38 +5861,36 @@
           <a:p>
             <a:r>
               <a:rPr lang="en-US" dirty="0"/>
-              <a:t>Hippo Project</a:t>
-            </a:r>
-          </a:p>
-        </p:txBody>
-      </p:sp>
-      <p:sp>
-        <p:nvSpPr>
-          <p:cNvPr id="3" name="Content Placeholder 2"/>
-          <p:cNvSpPr>
-            <a:spLocks noGrp="1"/>
-          </p:cNvSpPr>
+              <a:t>Complementary Learning Systems</a:t>
+            </a:r>
+          </a:p>
+        </p:txBody>
+      </p:sp>
+      <p:pic>
+        <p:nvPicPr>
+          <p:cNvPr id="5" name="Content Placeholder 4" descr="Screen shot 2011-03-04 at 2.20.08 AM.png"/>
+          <p:cNvPicPr>
+            <a:picLocks noGrp="1" noChangeAspect="1"/>
+          </p:cNvPicPr>
           <p:nvPr>
             <p:ph idx="1"/>
           </p:nvPr>
-        </p:nvSpPr>
-        <p:spPr/>
-        <p:txBody>
-          <a:bodyPr/>
-          <a:lstStyle/>
-          <a:p>
-            <a:r>
-              <a:rPr lang="en-US" dirty="0"/>
-              <a:t>Run </a:t>
-            </a:r>
-            <a:r>
-              <a:rPr lang="en-US" dirty="0" err="1"/>
-              <a:t>hip.proj</a:t>
-            </a:r>
-            <a:endParaRPr lang="en-US" dirty="0"/>
-          </a:p>
-        </p:txBody>
-      </p:sp>
+        </p:nvPicPr>
+        <p:blipFill>
+          <a:blip r:embed="rId2">
+            <a:extLst>
+              <a:ext uri="{28A0092B-C50C-407E-A947-70E740481C1C}">
+                <a14:useLocalDpi xmlns:a14="http://schemas.microsoft.com/office/drawing/2010/main" val="0"/>
+              </a:ext>
+            </a:extLst>
+          </a:blip>
+          <a:srcRect l="-14032" r="-14032"/>
+          <a:stretch>
+            <a:fillRect/>
+          </a:stretch>
+        </p:blipFill>
+        <p:spPr/>
+      </p:pic>
       <p:sp>
         <p:nvSpPr>
           <p:cNvPr id="4" name="Slide Number Placeholder 3"/>
@@ -5916,7 +5918,7 @@
     </p:spTree>
     <p:extLst>
       <p:ext uri="{BB962C8B-B14F-4D97-AF65-F5344CB8AC3E}">
-        <p14:creationId xmlns:p14="http://schemas.microsoft.com/office/powerpoint/2010/main" val="1341013793"/>
+        <p14:creationId xmlns:p14="http://schemas.microsoft.com/office/powerpoint/2010/main" val="1485995397"/>
       </p:ext>
     </p:extLst>
   </p:cSld>
@@ -5945,7 +5947,13 @@
       </p:grpSpPr>
       <p:sp>
         <p:nvSpPr>
-          <p:cNvPr id="2" name="Title 1"/>
+          <p:cNvPr id="2" name="Title 1">
+            <a:extLst>
+              <a:ext uri="{FF2B5EF4-FFF2-40B4-BE49-F238E27FC236}">
+                <a16:creationId xmlns:a16="http://schemas.microsoft.com/office/drawing/2014/main" id="{C6DFA608-10EE-2A4E-BD13-266262074BC7}"/>
+              </a:ext>
+            </a:extLst>
+          </p:cNvPr>
           <p:cNvSpPr>
             <a:spLocks noGrp="1"/>
           </p:cNvSpPr>
@@ -5953,46 +5961,61 @@
             <p:ph type="title"/>
           </p:nvPr>
         </p:nvSpPr>
-        <p:spPr/>
+        <p:spPr>
+          <a:xfrm>
+            <a:off x="456626" y="273514"/>
+            <a:ext cx="8227871" cy="717086"/>
+          </a:xfrm>
+        </p:spPr>
         <p:txBody>
           <a:bodyPr/>
           <a:lstStyle/>
           <a:p>
             <a:r>
               <a:rPr lang="en-US" dirty="0"/>
-              <a:t>Priming</a:t>
-            </a:r>
-          </a:p>
-        </p:txBody>
-      </p:sp>
-      <p:sp>
-        <p:nvSpPr>
-          <p:cNvPr id="3" name="Content Placeholder 2"/>
-          <p:cNvSpPr>
-            <a:spLocks noGrp="1"/>
-          </p:cNvSpPr>
+              <a:t>Slow Learning Integration</a:t>
+            </a:r>
+          </a:p>
+        </p:txBody>
+      </p:sp>
+      <p:pic>
+        <p:nvPicPr>
+          <p:cNvPr id="6" name="Content Placeholder 5">
+            <a:extLst>
+              <a:ext uri="{FF2B5EF4-FFF2-40B4-BE49-F238E27FC236}">
+                <a16:creationId xmlns:a16="http://schemas.microsoft.com/office/drawing/2014/main" id="{7AEF37DC-87E9-4D47-93A5-42F7A3C3FA67}"/>
+              </a:ext>
+            </a:extLst>
+          </p:cNvPr>
+          <p:cNvPicPr>
+            <a:picLocks noGrp="1" noChangeAspect="1"/>
+          </p:cNvPicPr>
           <p:nvPr>
             <p:ph idx="1"/>
           </p:nvPr>
-        </p:nvSpPr>
-        <p:spPr/>
-        <p:txBody>
-          <a:bodyPr/>
-          <a:lstStyle/>
-          <a:p>
-            <a:r>
-              <a:rPr lang="en-US" dirty="0"/>
-              <a:t>Can a brief subliminal message influence your behavior?</a:t>
-            </a:r>
-          </a:p>
-          <a:p>
-            <a:endParaRPr lang="en-US" dirty="0"/>
-          </a:p>
-        </p:txBody>
-      </p:sp>
-      <p:sp>
-        <p:nvSpPr>
-          <p:cNvPr id="4" name="Slide Number Placeholder 3"/>
+        </p:nvPicPr>
+        <p:blipFill>
+          <a:blip r:embed="rId2"/>
+          <a:stretch>
+            <a:fillRect/>
+          </a:stretch>
+        </p:blipFill>
+        <p:spPr>
+          <a:xfrm>
+            <a:off x="762000" y="1070102"/>
+            <a:ext cx="7543800" cy="4717795"/>
+          </a:xfrm>
+        </p:spPr>
+      </p:pic>
+      <p:sp>
+        <p:nvSpPr>
+          <p:cNvPr id="4" name="Slide Number Placeholder 3">
+            <a:extLst>
+              <a:ext uri="{FF2B5EF4-FFF2-40B4-BE49-F238E27FC236}">
+                <a16:creationId xmlns:a16="http://schemas.microsoft.com/office/drawing/2014/main" id="{F89ECC65-5D25-3141-A518-44AFC52990B6}"/>
+              </a:ext>
+            </a:extLst>
+          </p:cNvPr>
           <p:cNvSpPr>
             <a:spLocks noGrp="1"/>
           </p:cNvSpPr>
@@ -6014,10 +6037,45 @@
           </a:p>
         </p:txBody>
       </p:sp>
+      <p:sp>
+        <p:nvSpPr>
+          <p:cNvPr id="7" name="TextBox 6">
+            <a:extLst>
+              <a:ext uri="{FF2B5EF4-FFF2-40B4-BE49-F238E27FC236}">
+                <a16:creationId xmlns:a16="http://schemas.microsoft.com/office/drawing/2014/main" id="{A53043B4-75DB-EB4E-99C1-7ACB9C731049}"/>
+              </a:ext>
+            </a:extLst>
+          </p:cNvPr>
+          <p:cNvSpPr txBox="1"/>
+          <p:nvPr/>
+        </p:nvSpPr>
+        <p:spPr>
+          <a:xfrm>
+            <a:off x="762000" y="5943600"/>
+            <a:ext cx="7543800" cy="646331"/>
+          </a:xfrm>
+          <a:prstGeom prst="rect">
+            <a:avLst/>
+          </a:prstGeom>
+          <a:noFill/>
+        </p:spPr>
+        <p:txBody>
+          <a:bodyPr wrap="square" rtlCol="0">
+            <a:spAutoFit/>
+          </a:bodyPr>
+          <a:lstStyle/>
+          <a:p>
+            <a:r>
+              <a:rPr lang="en-US" dirty="0"/>
+              <a:t>Event has a .66 probability of occurring: only with a slow learning rate (.005) does it converge on an accurate estimate across discrete events</a:t>
+            </a:r>
+          </a:p>
+        </p:txBody>
+      </p:sp>
     </p:spTree>
     <p:extLst>
       <p:ext uri="{BB962C8B-B14F-4D97-AF65-F5344CB8AC3E}">
-        <p14:creationId xmlns:p14="http://schemas.microsoft.com/office/powerpoint/2010/main" val="2063579279"/>
+        <p14:creationId xmlns:p14="http://schemas.microsoft.com/office/powerpoint/2010/main" val="3779306709"/>
       </p:ext>
     </p:extLst>
   </p:cSld>
@@ -6061,7 +6119,7 @@
           <a:p>
             <a:r>
               <a:rPr lang="en-US" dirty="0"/>
-              <a:t>Two Forms of Memory</a:t>
+              <a:t>Priming</a:t>
             </a:r>
           </a:p>
         </p:txBody>
@@ -6083,23 +6141,11 @@
           <a:p>
             <a:r>
               <a:rPr lang="en-US" dirty="0"/>
-              <a:t>Priming provides good window onto weight vs. activation based memories.</a:t>
-            </a:r>
-          </a:p>
-          <a:p>
-            <a:pPr lvl="1"/>
-            <a:r>
-              <a:rPr lang="en-US" dirty="0"/>
-              <a:t>Demos: </a:t>
-            </a:r>
-            <a:r>
-              <a:rPr lang="en-US" dirty="0" err="1"/>
-              <a:t>wt</a:t>
-            </a:r>
-            <a:r>
-              <a:rPr lang="en-US" dirty="0"/>
-              <a:t>, act priming</a:t>
-            </a:r>
+              <a:t>Can a brief subliminal message influence your behavior?</a:t>
+            </a:r>
+          </a:p>
+          <a:p>
+            <a:endParaRPr lang="en-US" dirty="0"/>
           </a:p>
         </p:txBody>
       </p:sp>
@@ -6130,7 +6176,7 @@
     </p:spTree>
     <p:extLst>
       <p:ext uri="{BB962C8B-B14F-4D97-AF65-F5344CB8AC3E}">
-        <p14:creationId xmlns:p14="http://schemas.microsoft.com/office/powerpoint/2010/main" val="3874455948"/>
+        <p14:creationId xmlns:p14="http://schemas.microsoft.com/office/powerpoint/2010/main" val="2063579279"/>
       </p:ext>
     </p:extLst>
   </p:cSld>
@@ -6174,7 +6220,7 @@
           <a:p>
             <a:r>
               <a:rPr lang="en-US" dirty="0"/>
-              <a:t>More Robust Activation-Based Memory</a:t>
+              <a:t>Two Forms of Memory</a:t>
             </a:r>
           </a:p>
         </p:txBody>
@@ -6196,54 +6242,22 @@
           <a:p>
             <a:r>
               <a:rPr lang="en-US" dirty="0"/>
-              <a:t>In Executive Function Chapter:</a:t>
+              <a:t>Priming provides good window onto weight vs. activation based memories.</a:t>
             </a:r>
           </a:p>
           <a:p>
             <a:pPr lvl="1"/>
             <a:r>
               <a:rPr lang="en-US" dirty="0"/>
-              <a:t>PFC robust active maintenance over </a:t>
+              <a:t>Demos: </a:t>
             </a:r>
             <a:r>
               <a:rPr lang="en-US" dirty="0" err="1"/>
-              <a:t>secs</a:t>
+              <a:t>wt</a:t>
             </a:r>
             <a:r>
               <a:rPr lang="en-US" dirty="0"/>
-              <a:t> to </a:t>
-            </a:r>
-            <a:r>
-              <a:rPr lang="en-US" dirty="0" err="1"/>
-              <a:t>mins</a:t>
-            </a:r>
-            <a:endParaRPr lang="en-US" dirty="0"/>
-          </a:p>
-          <a:p>
-            <a:pPr lvl="1"/>
-            <a:r>
-              <a:rPr lang="en-US" dirty="0"/>
-              <a:t>BG provides dynamic gating signal for </a:t>
-            </a:r>
-            <a:r>
-              <a:rPr lang="en-US" dirty="0" err="1"/>
-              <a:t>updt</a:t>
-            </a:r>
-            <a:r>
-              <a:rPr lang="en-US" dirty="0"/>
-              <a:t> vs. </a:t>
-            </a:r>
-            <a:r>
-              <a:rPr lang="en-US" dirty="0" err="1"/>
-              <a:t>maint</a:t>
-            </a:r>
-            <a:endParaRPr lang="en-US" dirty="0"/>
-          </a:p>
-          <a:p>
-            <a:pPr lvl="1"/>
-            <a:r>
-              <a:rPr lang="en-US" dirty="0"/>
-              <a:t>Used for “working memory”, cognitive control..</a:t>
+              <a:t>, act priming</a:t>
             </a:r>
           </a:p>
         </p:txBody>
@@ -6275,7 +6289,286 @@
     </p:spTree>
     <p:extLst>
       <p:ext uri="{BB962C8B-B14F-4D97-AF65-F5344CB8AC3E}">
+        <p14:creationId xmlns:p14="http://schemas.microsoft.com/office/powerpoint/2010/main" val="3874455948"/>
+      </p:ext>
+    </p:extLst>
+  </p:cSld>
+  <p:clrMapOvr>
+    <a:masterClrMapping/>
+  </p:clrMapOvr>
+</p:sld>
+</file>
+
+<file path=ppt/slides/slide27.xml><?xml version="1.0" encoding="utf-8"?>
+<p:sld xmlns:a="http://schemas.openxmlformats.org/drawingml/2006/main" xmlns:r="http://schemas.openxmlformats.org/officeDocument/2006/relationships" xmlns:p="http://schemas.openxmlformats.org/presentationml/2006/main">
+  <p:cSld>
+    <p:spTree>
+      <p:nvGrpSpPr>
+        <p:cNvPr id="1" name=""/>
+        <p:cNvGrpSpPr/>
+        <p:nvPr/>
+      </p:nvGrpSpPr>
+      <p:grpSpPr>
+        <a:xfrm>
+          <a:off x="0" y="0"/>
+          <a:ext cx="0" cy="0"/>
+          <a:chOff x="0" y="0"/>
+          <a:chExt cx="0" cy="0"/>
+        </a:xfrm>
+      </p:grpSpPr>
+      <p:sp>
+        <p:nvSpPr>
+          <p:cNvPr id="2" name="Title 1"/>
+          <p:cNvSpPr>
+            <a:spLocks noGrp="1"/>
+          </p:cNvSpPr>
+          <p:nvPr>
+            <p:ph type="title"/>
+          </p:nvPr>
+        </p:nvSpPr>
+        <p:spPr/>
+        <p:txBody>
+          <a:bodyPr/>
+          <a:lstStyle/>
+          <a:p>
+            <a:r>
+              <a:rPr lang="en-US" dirty="0"/>
+              <a:t>More Robust Activation-Based Memory</a:t>
+            </a:r>
+          </a:p>
+        </p:txBody>
+      </p:sp>
+      <p:sp>
+        <p:nvSpPr>
+          <p:cNvPr id="3" name="Content Placeholder 2"/>
+          <p:cNvSpPr>
+            <a:spLocks noGrp="1"/>
+          </p:cNvSpPr>
+          <p:nvPr>
+            <p:ph idx="1"/>
+          </p:nvPr>
+        </p:nvSpPr>
+        <p:spPr/>
+        <p:txBody>
+          <a:bodyPr/>
+          <a:lstStyle/>
+          <a:p>
+            <a:r>
+              <a:rPr lang="en-US" dirty="0"/>
+              <a:t>In Executive Function Chapter:</a:t>
+            </a:r>
+          </a:p>
+          <a:p>
+            <a:pPr lvl="1"/>
+            <a:r>
+              <a:rPr lang="en-US" dirty="0"/>
+              <a:t>PFC robust active maintenance over </a:t>
+            </a:r>
+            <a:r>
+              <a:rPr lang="en-US" dirty="0" err="1"/>
+              <a:t>secs</a:t>
+            </a:r>
+            <a:r>
+              <a:rPr lang="en-US" dirty="0"/>
+              <a:t> to </a:t>
+            </a:r>
+            <a:r>
+              <a:rPr lang="en-US" dirty="0" err="1"/>
+              <a:t>mins</a:t>
+            </a:r>
+            <a:endParaRPr lang="en-US" dirty="0"/>
+          </a:p>
+          <a:p>
+            <a:pPr lvl="1"/>
+            <a:r>
+              <a:rPr lang="en-US" dirty="0"/>
+              <a:t>BG provides dynamic gating signal for </a:t>
+            </a:r>
+            <a:r>
+              <a:rPr lang="en-US" dirty="0" err="1"/>
+              <a:t>updt</a:t>
+            </a:r>
+            <a:r>
+              <a:rPr lang="en-US" dirty="0"/>
+              <a:t> vs. </a:t>
+            </a:r>
+            <a:r>
+              <a:rPr lang="en-US" dirty="0" err="1"/>
+              <a:t>maint</a:t>
+            </a:r>
+            <a:endParaRPr lang="en-US" dirty="0"/>
+          </a:p>
+          <a:p>
+            <a:pPr lvl="1"/>
+            <a:r>
+              <a:rPr lang="en-US" dirty="0"/>
+              <a:t>Used for “working memory”, cognitive control..</a:t>
+            </a:r>
+          </a:p>
+        </p:txBody>
+      </p:sp>
+      <p:sp>
+        <p:nvSpPr>
+          <p:cNvPr id="4" name="Slide Number Placeholder 3"/>
+          <p:cNvSpPr>
+            <a:spLocks noGrp="1"/>
+          </p:cNvSpPr>
+          <p:nvPr>
+            <p:ph type="sldNum" idx="12"/>
+          </p:nvPr>
+        </p:nvSpPr>
+        <p:spPr/>
+        <p:txBody>
+          <a:bodyPr/>
+          <a:lstStyle/>
+          <a:p>
+            <a:fld id="{5689AE7F-56EB-8D49-9914-836A4F709789}" type="slidenum">
+              <a:rPr lang="en-US" smtClean="0"/>
+              <a:pPr/>
+              <a:t>27</a:t>
+            </a:fld>
+            <a:endParaRPr lang="en-US"/>
+          </a:p>
+        </p:txBody>
+      </p:sp>
+    </p:spTree>
+    <p:extLst>
+      <p:ext uri="{BB962C8B-B14F-4D97-AF65-F5344CB8AC3E}">
         <p14:creationId xmlns:p14="http://schemas.microsoft.com/office/powerpoint/2010/main" val="933457382"/>
+      </p:ext>
+    </p:extLst>
+  </p:cSld>
+  <p:clrMapOvr>
+    <a:masterClrMapping/>
+  </p:clrMapOvr>
+</p:sld>
+</file>
+
+<file path=ppt/slides/slide28.xml><?xml version="1.0" encoding="utf-8"?>
+<p:sld xmlns:a="http://schemas.openxmlformats.org/drawingml/2006/main" xmlns:r="http://schemas.openxmlformats.org/officeDocument/2006/relationships" xmlns:p="http://schemas.openxmlformats.org/presentationml/2006/main">
+  <p:cSld>
+    <p:spTree>
+      <p:nvGrpSpPr>
+        <p:cNvPr id="1" name=""/>
+        <p:cNvGrpSpPr/>
+        <p:nvPr/>
+      </p:nvGrpSpPr>
+      <p:grpSpPr>
+        <a:xfrm>
+          <a:off x="0" y="0"/>
+          <a:ext cx="0" cy="0"/>
+          <a:chOff x="0" y="0"/>
+          <a:chExt cx="0" cy="0"/>
+        </a:xfrm>
+      </p:grpSpPr>
+      <p:sp>
+        <p:nvSpPr>
+          <p:cNvPr id="2" name="Title 1">
+            <a:extLst>
+              <a:ext uri="{FF2B5EF4-FFF2-40B4-BE49-F238E27FC236}">
+                <a16:creationId xmlns:a16="http://schemas.microsoft.com/office/drawing/2014/main" id="{89745FF1-9A7F-BF44-87FA-B697EFC4F8D3}"/>
+              </a:ext>
+            </a:extLst>
+          </p:cNvPr>
+          <p:cNvSpPr>
+            <a:spLocks noGrp="1"/>
+          </p:cNvSpPr>
+          <p:nvPr>
+            <p:ph type="title"/>
+          </p:nvPr>
+        </p:nvSpPr>
+        <p:spPr/>
+        <p:txBody>
+          <a:bodyPr/>
+          <a:lstStyle/>
+          <a:p>
+            <a:r>
+              <a:rPr lang="en-US" dirty="0"/>
+              <a:t>More Memory</a:t>
+            </a:r>
+          </a:p>
+        </p:txBody>
+      </p:sp>
+      <p:sp>
+        <p:nvSpPr>
+          <p:cNvPr id="3" name="Content Placeholder 2">
+            <a:extLst>
+              <a:ext uri="{FF2B5EF4-FFF2-40B4-BE49-F238E27FC236}">
+                <a16:creationId xmlns:a16="http://schemas.microsoft.com/office/drawing/2014/main" id="{8957DDD9-143E-1F40-9B99-73A7B1363A72}"/>
+              </a:ext>
+            </a:extLst>
+          </p:cNvPr>
+          <p:cNvSpPr>
+            <a:spLocks noGrp="1"/>
+          </p:cNvSpPr>
+          <p:nvPr>
+            <p:ph idx="1"/>
+          </p:nvPr>
+        </p:nvSpPr>
+        <p:spPr/>
+        <p:txBody>
+          <a:bodyPr/>
+          <a:lstStyle/>
+          <a:p>
+            <a:pPr marL="97912" indent="0">
+              <a:buNone/>
+            </a:pPr>
+            <a:r>
+              <a:rPr lang="en-US" dirty="0"/>
+              <a:t>Recognition: familiarity vs. recall</a:t>
+            </a:r>
+          </a:p>
+          <a:p>
+            <a:pPr marL="97912" indent="0">
+              <a:buNone/>
+            </a:pPr>
+            <a:endParaRPr lang="en-US" dirty="0"/>
+          </a:p>
+          <a:p>
+            <a:pPr marL="97912" indent="0">
+              <a:buNone/>
+            </a:pPr>
+            <a:r>
+              <a:rPr lang="en-US" dirty="0"/>
+              <a:t>Using memory for planning: hippocampus is key hub of the “default network” – where you want to be inside your brain..</a:t>
+            </a:r>
+          </a:p>
+        </p:txBody>
+      </p:sp>
+      <p:sp>
+        <p:nvSpPr>
+          <p:cNvPr id="4" name="Slide Number Placeholder 3">
+            <a:extLst>
+              <a:ext uri="{FF2B5EF4-FFF2-40B4-BE49-F238E27FC236}">
+                <a16:creationId xmlns:a16="http://schemas.microsoft.com/office/drawing/2014/main" id="{0CA30EC5-8074-6842-84A1-9325E3CC65C0}"/>
+              </a:ext>
+            </a:extLst>
+          </p:cNvPr>
+          <p:cNvSpPr>
+            <a:spLocks noGrp="1"/>
+          </p:cNvSpPr>
+          <p:nvPr>
+            <p:ph type="sldNum" idx="12"/>
+          </p:nvPr>
+        </p:nvSpPr>
+        <p:spPr/>
+        <p:txBody>
+          <a:bodyPr/>
+          <a:lstStyle/>
+          <a:p>
+            <a:fld id="{5689AE7F-56EB-8D49-9914-836A4F709789}" type="slidenum">
+              <a:rPr lang="en-US" smtClean="0"/>
+              <a:pPr/>
+              <a:t>28</a:t>
+            </a:fld>
+            <a:endParaRPr lang="en-US"/>
+          </a:p>
+        </p:txBody>
+      </p:sp>
+    </p:spTree>
+    <p:extLst>
+      <p:ext uri="{BB962C8B-B14F-4D97-AF65-F5344CB8AC3E}">
+        <p14:creationId xmlns:p14="http://schemas.microsoft.com/office/powerpoint/2010/main" val="419103773"/>
       </p:ext>
     </p:extLst>
   </p:cSld>
